--- a/Class presentation/Week6 - Edward/11-12-2014.pptx
+++ b/Class presentation/Week6 - Edward/11-12-2014.pptx
@@ -905,7 +905,7 @@
                 <a:cs typeface="Calibri"/>
                 <a:sym typeface="Calibri"/>
               </a:rPr>
-              <a:t>UITableViewController</a:t>
+              <a:t>UICollectionViewController</a:t>
             </a:r>
             <a:endParaRPr sz="2912">
               <a:solidFill>
@@ -2303,7 +2303,7 @@
         <p:spPr>
           <a:xfrm>
             <a:off x="457200" y="1905000"/>
-            <a:ext cx="8242300" cy="1346200"/>
+            <a:ext cx="8242300" cy="1981200"/>
           </a:xfrm>
           <a:prstGeom prst="rect">
             <a:avLst/>
@@ -2331,6 +2331,18 @@
             <a:r>
               <a:rPr sz="4200"/>
               <a:t>UICollectionViewController</a:t>
+            </a:r>
+            <a:endParaRPr sz="4200"/>
+          </a:p>
+          <a:p>
+            <a:pPr lvl="0" marL="421105" indent="-421105" algn="l">
+              <a:buSzPct val="100000"/>
+              <a:buChar char="•"/>
+              <a:defRPr sz="1800"/>
+            </a:pPr>
+            <a:r>
+              <a:rPr sz="4200"/>
+              <a:t>UICollectionView</a:t>
             </a:r>
             <a:endParaRPr sz="4200"/>
           </a:p>
